--- a/Cloud Computing.pptx
+++ b/Cloud Computing.pptx
@@ -15,6 +15,12 @@
     <p:sldId id="262" r:id="rId9"/>
     <p:sldId id="263" r:id="rId10"/>
     <p:sldId id="264" r:id="rId11"/>
+    <p:sldId id="270" r:id="rId12"/>
+    <p:sldId id="266" r:id="rId13"/>
+    <p:sldId id="271" r:id="rId14"/>
+    <p:sldId id="268" r:id="rId15"/>
+    <p:sldId id="269" r:id="rId16"/>
+    <p:sldId id="272" r:id="rId17"/>
   </p:sldIdLst>
   <p:sldSz cx="12192000" cy="6858000"/>
   <p:notesSz cx="6858000" cy="9144000"/>
@@ -3122,12 +3128,130 @@
             <p:ph type="title"/>
           </p:nvPr>
         </p:nvSpPr>
-        <p:spPr/>
-        <p:txBody>
-          <a:bodyPr/>
-          <a:lstStyle/>
-          <a:p>
-            <a:endParaRPr lang="ru-RU"/>
+        <p:spPr>
+          <a:xfrm>
+            <a:off x="838200" y="198870"/>
+            <a:ext cx="10515600" cy="1325563"/>
+          </a:xfrm>
+        </p:spPr>
+        <p:txBody>
+          <a:bodyPr/>
+          <a:lstStyle/>
+          <a:p>
+            <a:r>
+              <a:rPr lang="en-US" dirty="0" smtClean="0"/>
+              <a:t>Localhost:8000/status everything is good. </a:t>
+            </a:r>
+            <a:endParaRPr lang="ru-RU" dirty="0"/>
+          </a:p>
+        </p:txBody>
+      </p:sp>
+      <p:pic>
+        <p:nvPicPr>
+          <p:cNvPr id="7" name="Объект 6"/>
+          <p:cNvPicPr>
+            <a:picLocks noGrp="1" noChangeAspect="1"/>
+          </p:cNvPicPr>
+          <p:nvPr>
+            <p:ph idx="1"/>
+          </p:nvPr>
+        </p:nvPicPr>
+        <p:blipFill>
+          <a:blip r:embed="rId2"/>
+          <a:stretch>
+            <a:fillRect/>
+          </a:stretch>
+        </p:blipFill>
+        <p:spPr>
+          <a:xfrm>
+            <a:off x="0" y="1310236"/>
+            <a:ext cx="12192000" cy="4351338"/>
+          </a:xfrm>
+          <a:prstGeom prst="rect">
+            <a:avLst/>
+          </a:prstGeom>
+        </p:spPr>
+      </p:pic>
+      <p:pic>
+        <p:nvPicPr>
+          <p:cNvPr id="4" name="Рисунок 3"/>
+          <p:cNvPicPr>
+            <a:picLocks noChangeAspect="1"/>
+          </p:cNvPicPr>
+          <p:nvPr/>
+        </p:nvPicPr>
+        <p:blipFill>
+          <a:blip r:embed="rId3"/>
+          <a:stretch>
+            <a:fillRect/>
+          </a:stretch>
+        </p:blipFill>
+        <p:spPr>
+          <a:xfrm>
+            <a:off x="0" y="6384175"/>
+            <a:ext cx="12192000" cy="473825"/>
+          </a:xfrm>
+          <a:prstGeom prst="rect">
+            <a:avLst/>
+          </a:prstGeom>
+        </p:spPr>
+      </p:pic>
+    </p:spTree>
+    <p:extLst>
+      <p:ext uri="{BB962C8B-B14F-4D97-AF65-F5344CB8AC3E}">
+        <p14:creationId xmlns:p14="http://schemas.microsoft.com/office/powerpoint/2010/main" val="2896188364"/>
+      </p:ext>
+    </p:extLst>
+  </p:cSld>
+  <p:clrMapOvr>
+    <a:masterClrMapping/>
+  </p:clrMapOvr>
+</p:sld>
+</file>
+
+<file path=ppt/slides/slide11.xml><?xml version="1.0" encoding="utf-8"?>
+<p:sld xmlns:a="http://schemas.openxmlformats.org/drawingml/2006/main" xmlns:r="http://schemas.openxmlformats.org/officeDocument/2006/relationships" xmlns:p="http://schemas.openxmlformats.org/presentationml/2006/main">
+  <p:cSld>
+    <p:spTree>
+      <p:nvGrpSpPr>
+        <p:cNvPr id="1" name=""/>
+        <p:cNvGrpSpPr/>
+        <p:nvPr/>
+      </p:nvGrpSpPr>
+      <p:grpSpPr>
+        <a:xfrm>
+          <a:off x="0" y="0"/>
+          <a:ext cx="0" cy="0"/>
+          <a:chOff x="0" y="0"/>
+          <a:chExt cx="0" cy="0"/>
+        </a:xfrm>
+      </p:grpSpPr>
+      <p:sp>
+        <p:nvSpPr>
+          <p:cNvPr id="2" name="Заголовок 1"/>
+          <p:cNvSpPr>
+            <a:spLocks noGrp="1"/>
+          </p:cNvSpPr>
+          <p:nvPr>
+            <p:ph type="title"/>
+          </p:nvPr>
+        </p:nvSpPr>
+        <p:spPr/>
+        <p:txBody>
+          <a:bodyPr/>
+          <a:lstStyle/>
+          <a:p>
+            <a:r>
+              <a:rPr lang="en-US" b="1" dirty="0" smtClean="0"/>
+              <a:t>Next screenshot is </a:t>
+            </a:r>
+            <a:r>
+              <a:rPr lang="en-US" b="1" dirty="0" smtClean="0">
+                <a:hlinkClick r:id="rId2"/>
+              </a:rPr>
+              <a:t>Cloud CI/CD Showcase</a:t>
+            </a:r>
+            <a:endParaRPr lang="ru-RU" b="1" dirty="0"/>
           </a:p>
         </p:txBody>
       </p:sp>
@@ -3146,7 +3270,312 @@
           <a:bodyPr/>
           <a:lstStyle/>
           <a:p>
-            <a:endParaRPr lang="ru-RU"/>
+            <a:r>
+              <a:rPr lang="en-US" dirty="0" smtClean="0"/>
+              <a:t>From github.io page.</a:t>
+            </a:r>
+          </a:p>
+          <a:p>
+            <a:r>
+              <a:rPr lang="en-US" dirty="0" smtClean="0"/>
+              <a:t>Please scroll to up\down to see all.</a:t>
+            </a:r>
+            <a:endParaRPr lang="ru-RU" dirty="0"/>
+          </a:p>
+        </p:txBody>
+      </p:sp>
+      <p:pic>
+        <p:nvPicPr>
+          <p:cNvPr id="4" name="Рисунок 3"/>
+          <p:cNvPicPr>
+            <a:picLocks noChangeAspect="1"/>
+          </p:cNvPicPr>
+          <p:nvPr/>
+        </p:nvPicPr>
+        <p:blipFill>
+          <a:blip r:embed="rId3"/>
+          <a:stretch>
+            <a:fillRect/>
+          </a:stretch>
+        </p:blipFill>
+        <p:spPr>
+          <a:xfrm>
+            <a:off x="0" y="5777345"/>
+            <a:ext cx="12192000" cy="1080655"/>
+          </a:xfrm>
+          <a:prstGeom prst="rect">
+            <a:avLst/>
+          </a:prstGeom>
+        </p:spPr>
+      </p:pic>
+    </p:spTree>
+    <p:extLst>
+      <p:ext uri="{BB962C8B-B14F-4D97-AF65-F5344CB8AC3E}">
+        <p14:creationId xmlns:p14="http://schemas.microsoft.com/office/powerpoint/2010/main" val="2575631612"/>
+      </p:ext>
+    </p:extLst>
+  </p:cSld>
+  <p:clrMapOvr>
+    <a:masterClrMapping/>
+  </p:clrMapOvr>
+</p:sld>
+</file>
+
+<file path=ppt/slides/slide12.xml><?xml version="1.0" encoding="utf-8"?>
+<p:sld xmlns:a="http://schemas.openxmlformats.org/drawingml/2006/main" xmlns:r="http://schemas.openxmlformats.org/officeDocument/2006/relationships" xmlns:p="http://schemas.openxmlformats.org/presentationml/2006/main">
+  <p:cSld>
+    <p:spTree>
+      <p:nvGrpSpPr>
+        <p:cNvPr id="1" name=""/>
+        <p:cNvGrpSpPr/>
+        <p:nvPr/>
+      </p:nvGrpSpPr>
+      <p:grpSpPr>
+        <a:xfrm>
+          <a:off x="0" y="0"/>
+          <a:ext cx="0" cy="0"/>
+          <a:chOff x="0" y="0"/>
+          <a:chExt cx="0" cy="0"/>
+        </a:xfrm>
+      </p:grpSpPr>
+      <p:sp>
+        <p:nvSpPr>
+          <p:cNvPr id="2" name="Заголовок 1"/>
+          <p:cNvSpPr>
+            <a:spLocks noGrp="1"/>
+          </p:cNvSpPr>
+          <p:nvPr>
+            <p:ph type="title"/>
+          </p:nvPr>
+        </p:nvSpPr>
+        <p:spPr/>
+        <p:txBody>
+          <a:bodyPr/>
+          <a:lstStyle/>
+          <a:p>
+            <a:r>
+              <a:rPr lang="en-US" dirty="0" err="1" smtClean="0"/>
+              <a:t>asd</a:t>
+            </a:r>
+            <a:endParaRPr lang="ru-RU" dirty="0"/>
+          </a:p>
+        </p:txBody>
+      </p:sp>
+      <p:pic>
+        <p:nvPicPr>
+          <p:cNvPr id="9" name="Рисунок 8"/>
+          <p:cNvPicPr>
+            <a:picLocks noChangeAspect="1"/>
+          </p:cNvPicPr>
+          <p:nvPr/>
+        </p:nvPicPr>
+        <p:blipFill>
+          <a:blip r:embed="rId2"/>
+          <a:stretch>
+            <a:fillRect/>
+          </a:stretch>
+        </p:blipFill>
+        <p:spPr>
+          <a:xfrm>
+            <a:off x="-2447925" y="-3652838"/>
+            <a:ext cx="17087850" cy="14163675"/>
+          </a:xfrm>
+          <a:prstGeom prst="rect">
+            <a:avLst/>
+          </a:prstGeom>
+        </p:spPr>
+      </p:pic>
+    </p:spTree>
+    <p:extLst>
+      <p:ext uri="{BB962C8B-B14F-4D97-AF65-F5344CB8AC3E}">
+        <p14:creationId xmlns:p14="http://schemas.microsoft.com/office/powerpoint/2010/main" val="4143312595"/>
+      </p:ext>
+    </p:extLst>
+  </p:cSld>
+  <p:clrMapOvr>
+    <a:masterClrMapping/>
+  </p:clrMapOvr>
+</p:sld>
+</file>
+
+<file path=ppt/slides/slide13.xml><?xml version="1.0" encoding="utf-8"?>
+<p:sld xmlns:a="http://schemas.openxmlformats.org/drawingml/2006/main" xmlns:r="http://schemas.openxmlformats.org/officeDocument/2006/relationships" xmlns:p="http://schemas.openxmlformats.org/presentationml/2006/main">
+  <p:cSld>
+    <p:spTree>
+      <p:nvGrpSpPr>
+        <p:cNvPr id="1" name=""/>
+        <p:cNvGrpSpPr/>
+        <p:nvPr/>
+      </p:nvGrpSpPr>
+      <p:grpSpPr>
+        <a:xfrm>
+          <a:off x="0" y="0"/>
+          <a:ext cx="0" cy="0"/>
+          <a:chOff x="0" y="0"/>
+          <a:chExt cx="0" cy="0"/>
+        </a:xfrm>
+      </p:grpSpPr>
+      <p:sp>
+        <p:nvSpPr>
+          <p:cNvPr id="2" name="Заголовок 1"/>
+          <p:cNvSpPr>
+            <a:spLocks noGrp="1"/>
+          </p:cNvSpPr>
+          <p:nvPr>
+            <p:ph type="title"/>
+          </p:nvPr>
+        </p:nvSpPr>
+        <p:spPr/>
+        <p:txBody>
+          <a:bodyPr/>
+          <a:lstStyle/>
+          <a:p>
+            <a:r>
+              <a:rPr lang="en-US" b="1" dirty="0" smtClean="0"/>
+              <a:t>Next screenshot is </a:t>
+            </a:r>
+            <a:r>
+              <a:rPr lang="en-US" dirty="0" err="1" smtClean="0">
+                <a:hlinkClick r:id="rId2"/>
+              </a:rPr>
+              <a:t>NPaugust</a:t>
+            </a:r>
+            <a:r>
+              <a:rPr lang="en-US" dirty="0" smtClean="0">
+                <a:hlinkClick r:id="rId2"/>
+              </a:rPr>
+              <a:t>/cloud-ci-showcase</a:t>
+            </a:r>
+            <a:endParaRPr lang="ru-RU" b="1" dirty="0"/>
+          </a:p>
+        </p:txBody>
+      </p:sp>
+      <p:sp>
+        <p:nvSpPr>
+          <p:cNvPr id="3" name="Объект 2"/>
+          <p:cNvSpPr>
+            <a:spLocks noGrp="1"/>
+          </p:cNvSpPr>
+          <p:nvPr>
+            <p:ph idx="1"/>
+          </p:nvPr>
+        </p:nvSpPr>
+        <p:spPr/>
+        <p:txBody>
+          <a:bodyPr/>
+          <a:lstStyle/>
+          <a:p>
+            <a:r>
+              <a:rPr lang="en-US" dirty="0" smtClean="0"/>
+              <a:t>Project repository in </a:t>
+            </a:r>
+            <a:r>
+              <a:rPr lang="en-US" dirty="0" err="1" smtClean="0"/>
+              <a:t>Github</a:t>
+            </a:r>
+            <a:r>
+              <a:rPr lang="en-US" dirty="0" smtClean="0"/>
+              <a:t>.</a:t>
+            </a:r>
+          </a:p>
+          <a:p>
+            <a:r>
+              <a:rPr lang="en-US" dirty="0" smtClean="0"/>
+              <a:t>Please scroll to up\down to see all.</a:t>
+            </a:r>
+            <a:endParaRPr lang="ru-RU" dirty="0"/>
+          </a:p>
+        </p:txBody>
+      </p:sp>
+      <p:pic>
+        <p:nvPicPr>
+          <p:cNvPr id="4" name="Рисунок 3"/>
+          <p:cNvPicPr>
+            <a:picLocks noChangeAspect="1"/>
+          </p:cNvPicPr>
+          <p:nvPr/>
+        </p:nvPicPr>
+        <p:blipFill>
+          <a:blip r:embed="rId3"/>
+          <a:stretch>
+            <a:fillRect/>
+          </a:stretch>
+        </p:blipFill>
+        <p:spPr>
+          <a:xfrm>
+            <a:off x="0" y="5777345"/>
+            <a:ext cx="12192000" cy="1080655"/>
+          </a:xfrm>
+          <a:prstGeom prst="rect">
+            <a:avLst/>
+          </a:prstGeom>
+        </p:spPr>
+      </p:pic>
+    </p:spTree>
+    <p:extLst>
+      <p:ext uri="{BB962C8B-B14F-4D97-AF65-F5344CB8AC3E}">
+        <p14:creationId xmlns:p14="http://schemas.microsoft.com/office/powerpoint/2010/main" val="4216450855"/>
+      </p:ext>
+    </p:extLst>
+  </p:cSld>
+  <p:clrMapOvr>
+    <a:masterClrMapping/>
+  </p:clrMapOvr>
+</p:sld>
+</file>
+
+<file path=ppt/slides/slide14.xml><?xml version="1.0" encoding="utf-8"?>
+<p:sld xmlns:a="http://schemas.openxmlformats.org/drawingml/2006/main" xmlns:r="http://schemas.openxmlformats.org/officeDocument/2006/relationships" xmlns:p="http://schemas.openxmlformats.org/presentationml/2006/main">
+  <p:cSld>
+    <p:spTree>
+      <p:nvGrpSpPr>
+        <p:cNvPr id="1" name=""/>
+        <p:cNvGrpSpPr/>
+        <p:nvPr/>
+      </p:nvGrpSpPr>
+      <p:grpSpPr>
+        <a:xfrm>
+          <a:off x="0" y="0"/>
+          <a:ext cx="0" cy="0"/>
+          <a:chOff x="0" y="0"/>
+          <a:chExt cx="0" cy="0"/>
+        </a:xfrm>
+      </p:grpSpPr>
+      <p:sp>
+        <p:nvSpPr>
+          <p:cNvPr id="2" name="Заголовок 1"/>
+          <p:cNvSpPr>
+            <a:spLocks noGrp="1"/>
+          </p:cNvSpPr>
+          <p:nvPr>
+            <p:ph type="title"/>
+          </p:nvPr>
+        </p:nvSpPr>
+        <p:spPr/>
+        <p:txBody>
+          <a:bodyPr/>
+          <a:lstStyle/>
+          <a:p>
+            <a:endParaRPr lang="ru-RU"/>
+          </a:p>
+        </p:txBody>
+      </p:sp>
+      <p:sp>
+        <p:nvSpPr>
+          <p:cNvPr id="3" name="Объект 2"/>
+          <p:cNvSpPr>
+            <a:spLocks noGrp="1"/>
+          </p:cNvSpPr>
+          <p:nvPr>
+            <p:ph idx="1"/>
+          </p:nvPr>
+        </p:nvSpPr>
+        <p:spPr/>
+        <p:txBody>
+          <a:bodyPr/>
+          <a:lstStyle/>
+          <a:p>
+            <a:endParaRPr lang="ru-RU" dirty="0"/>
           </a:p>
         </p:txBody>
       </p:sp>
@@ -3174,10 +3603,319 @@
           </a:prstGeom>
         </p:spPr>
       </p:pic>
+      <p:pic>
+        <p:nvPicPr>
+          <p:cNvPr id="5" name="Рисунок 4"/>
+          <p:cNvPicPr>
+            <a:picLocks noChangeAspect="1"/>
+          </p:cNvPicPr>
+          <p:nvPr/>
+        </p:nvPicPr>
+        <p:blipFill>
+          <a:blip r:embed="rId3"/>
+          <a:stretch>
+            <a:fillRect/>
+          </a:stretch>
+        </p:blipFill>
+        <p:spPr>
+          <a:xfrm>
+            <a:off x="-2447925" y="-7177088"/>
+            <a:ext cx="17087850" cy="21212175"/>
+          </a:xfrm>
+          <a:prstGeom prst="rect">
+            <a:avLst/>
+          </a:prstGeom>
+        </p:spPr>
+      </p:pic>
     </p:spTree>
     <p:extLst>
       <p:ext uri="{BB962C8B-B14F-4D97-AF65-F5344CB8AC3E}">
-        <p14:creationId xmlns:p14="http://schemas.microsoft.com/office/powerpoint/2010/main" val="2896188364"/>
+        <p14:creationId xmlns:p14="http://schemas.microsoft.com/office/powerpoint/2010/main" val="1469113829"/>
+      </p:ext>
+    </p:extLst>
+  </p:cSld>
+  <p:clrMapOvr>
+    <a:masterClrMapping/>
+  </p:clrMapOvr>
+</p:sld>
+</file>
+
+<file path=ppt/slides/slide15.xml><?xml version="1.0" encoding="utf-8"?>
+<p:sld xmlns:a="http://schemas.openxmlformats.org/drawingml/2006/main" xmlns:r="http://schemas.openxmlformats.org/officeDocument/2006/relationships" xmlns:p="http://schemas.openxmlformats.org/presentationml/2006/main">
+  <p:cSld>
+    <p:spTree>
+      <p:nvGrpSpPr>
+        <p:cNvPr id="1" name=""/>
+        <p:cNvGrpSpPr/>
+        <p:nvPr/>
+      </p:nvGrpSpPr>
+      <p:grpSpPr>
+        <a:xfrm>
+          <a:off x="0" y="0"/>
+          <a:ext cx="0" cy="0"/>
+          <a:chOff x="0" y="0"/>
+          <a:chExt cx="0" cy="0"/>
+        </a:xfrm>
+      </p:grpSpPr>
+      <p:sp>
+        <p:nvSpPr>
+          <p:cNvPr id="2" name="Заголовок 1"/>
+          <p:cNvSpPr>
+            <a:spLocks noGrp="1"/>
+          </p:cNvSpPr>
+          <p:nvPr>
+            <p:ph type="title"/>
+          </p:nvPr>
+        </p:nvSpPr>
+        <p:spPr>
+          <a:xfrm>
+            <a:off x="7997825" y="2074400"/>
+            <a:ext cx="10515600" cy="1325563"/>
+          </a:xfrm>
+        </p:spPr>
+        <p:txBody>
+          <a:bodyPr/>
+          <a:lstStyle/>
+          <a:p>
+            <a:r>
+              <a:rPr lang="en-US" b="1" dirty="0" smtClean="0"/>
+              <a:t>Tests</a:t>
+            </a:r>
+            <a:endParaRPr lang="ru-RU" b="1" dirty="0"/>
+          </a:p>
+        </p:txBody>
+      </p:sp>
+      <p:pic>
+        <p:nvPicPr>
+          <p:cNvPr id="4" name="Рисунок 3"/>
+          <p:cNvPicPr>
+            <a:picLocks noChangeAspect="1"/>
+          </p:cNvPicPr>
+          <p:nvPr/>
+        </p:nvPicPr>
+        <p:blipFill>
+          <a:blip r:embed="rId2"/>
+          <a:stretch>
+            <a:fillRect/>
+          </a:stretch>
+        </p:blipFill>
+        <p:spPr>
+          <a:xfrm>
+            <a:off x="0" y="5777345"/>
+            <a:ext cx="12192000" cy="1080655"/>
+          </a:xfrm>
+          <a:prstGeom prst="rect">
+            <a:avLst/>
+          </a:prstGeom>
+        </p:spPr>
+      </p:pic>
+      <p:pic>
+        <p:nvPicPr>
+          <p:cNvPr id="6" name="Рисунок 5"/>
+          <p:cNvPicPr>
+            <a:picLocks noChangeAspect="1"/>
+          </p:cNvPicPr>
+          <p:nvPr/>
+        </p:nvPicPr>
+        <p:blipFill>
+          <a:blip r:embed="rId3"/>
+          <a:stretch>
+            <a:fillRect/>
+          </a:stretch>
+        </p:blipFill>
+        <p:spPr>
+          <a:xfrm>
+            <a:off x="726260" y="355598"/>
+            <a:ext cx="5839640" cy="4763165"/>
+          </a:xfrm>
+          <a:prstGeom prst="rect">
+            <a:avLst/>
+          </a:prstGeom>
+        </p:spPr>
+      </p:pic>
+    </p:spTree>
+    <p:extLst>
+      <p:ext uri="{BB962C8B-B14F-4D97-AF65-F5344CB8AC3E}">
+        <p14:creationId xmlns:p14="http://schemas.microsoft.com/office/powerpoint/2010/main" val="3288331905"/>
+      </p:ext>
+    </p:extLst>
+  </p:cSld>
+  <p:clrMapOvr>
+    <a:masterClrMapping/>
+  </p:clrMapOvr>
+</p:sld>
+</file>
+
+<file path=ppt/slides/slide16.xml><?xml version="1.0" encoding="utf-8"?>
+<p:sld xmlns:a="http://schemas.openxmlformats.org/drawingml/2006/main" xmlns:r="http://schemas.openxmlformats.org/officeDocument/2006/relationships" xmlns:p="http://schemas.openxmlformats.org/presentationml/2006/main">
+  <p:cSld>
+    <p:spTree>
+      <p:nvGrpSpPr>
+        <p:cNvPr id="1" name=""/>
+        <p:cNvGrpSpPr/>
+        <p:nvPr/>
+      </p:nvGrpSpPr>
+      <p:grpSpPr>
+        <a:xfrm>
+          <a:off x="0" y="0"/>
+          <a:ext cx="0" cy="0"/>
+          <a:chOff x="0" y="0"/>
+          <a:chExt cx="0" cy="0"/>
+        </a:xfrm>
+      </p:grpSpPr>
+      <p:sp>
+        <p:nvSpPr>
+          <p:cNvPr id="2" name="Заголовок 1"/>
+          <p:cNvSpPr>
+            <a:spLocks noGrp="1"/>
+          </p:cNvSpPr>
+          <p:nvPr>
+            <p:ph type="title"/>
+          </p:nvPr>
+        </p:nvSpPr>
+        <p:spPr/>
+        <p:txBody>
+          <a:bodyPr/>
+          <a:lstStyle/>
+          <a:p>
+            <a:r>
+              <a:rPr lang="en-US" b="1" dirty="0" smtClean="0"/>
+              <a:t>Conclusion</a:t>
+            </a:r>
+            <a:endParaRPr lang="ru-RU" b="1" dirty="0"/>
+          </a:p>
+        </p:txBody>
+      </p:sp>
+      <p:sp>
+        <p:nvSpPr>
+          <p:cNvPr id="3" name="Объект 2"/>
+          <p:cNvSpPr>
+            <a:spLocks noGrp="1"/>
+          </p:cNvSpPr>
+          <p:nvPr>
+            <p:ph idx="1"/>
+          </p:nvPr>
+        </p:nvSpPr>
+        <p:spPr/>
+        <p:txBody>
+          <a:bodyPr/>
+          <a:lstStyle/>
+          <a:p>
+            <a:r>
+              <a:rPr lang="en-US" dirty="0" smtClean="0"/>
+              <a:t>After all, I built a small but complete CI/CD showcase with Express, static docs, and automated tests.</a:t>
+            </a:r>
+          </a:p>
+          <a:p>
+            <a:r>
+              <a:rPr lang="en-US" dirty="0" err="1" smtClean="0"/>
+              <a:t>Github</a:t>
+            </a:r>
+            <a:r>
+              <a:rPr lang="en-US" dirty="0" smtClean="0"/>
+              <a:t> Actions keep every commit validated, </a:t>
+            </a:r>
+            <a:r>
+              <a:rPr lang="en-US" dirty="0" err="1" smtClean="0"/>
+              <a:t>Github</a:t>
+            </a:r>
+            <a:r>
+              <a:rPr lang="en-US" dirty="0" smtClean="0"/>
+              <a:t> Pages exposes project story for </a:t>
+            </a:r>
+            <a:r>
+              <a:rPr lang="en-US" dirty="0" err="1" smtClean="0"/>
+              <a:t>Dr.Ahmad</a:t>
+            </a:r>
+            <a:r>
+              <a:rPr lang="en-US" dirty="0" smtClean="0"/>
+              <a:t> </a:t>
+            </a:r>
+          </a:p>
+          <a:p>
+            <a:r>
+              <a:rPr lang="en-US" dirty="0" smtClean="0"/>
+              <a:t>Every documentations exists, for analyzing and learning how to do run my project very easily.</a:t>
+            </a:r>
+          </a:p>
+          <a:p>
+            <a:r>
+              <a:rPr lang="en-US" dirty="0" smtClean="0"/>
+              <a:t>This presentation done by short time but anyway, </a:t>
+            </a:r>
+          </a:p>
+          <a:p>
+            <a:pPr marL="0" indent="0">
+              <a:buNone/>
+            </a:pPr>
+            <a:r>
+              <a:rPr lang="en-US" dirty="0"/>
+              <a:t>	</a:t>
+            </a:r>
+            <a:r>
+              <a:rPr lang="en-US" dirty="0" smtClean="0"/>
+              <a:t>						Thank you for watching it!</a:t>
+            </a:r>
+          </a:p>
+          <a:p>
+            <a:pPr marL="0" indent="0">
+              <a:buNone/>
+            </a:pPr>
+            <a:r>
+              <a:rPr lang="en-US" dirty="0"/>
+              <a:t>	</a:t>
+            </a:r>
+            <a:r>
+              <a:rPr lang="en-US" dirty="0" smtClean="0"/>
+              <a:t>						</a:t>
+            </a:r>
+            <a:r>
+              <a:rPr lang="en-US" dirty="0" err="1" smtClean="0"/>
+              <a:t>Avgustin</a:t>
+            </a:r>
+            <a:r>
+              <a:rPr lang="en-US" dirty="0" smtClean="0"/>
+              <a:t> </a:t>
+            </a:r>
+            <a:r>
+              <a:rPr lang="en-US" dirty="0" err="1" smtClean="0"/>
+              <a:t>Chynarbekov</a:t>
+            </a:r>
+            <a:endParaRPr lang="en-US" dirty="0" smtClean="0"/>
+          </a:p>
+          <a:p>
+            <a:endParaRPr lang="ru-RU" dirty="0"/>
+          </a:p>
+        </p:txBody>
+      </p:sp>
+      <p:pic>
+        <p:nvPicPr>
+          <p:cNvPr id="4" name="Рисунок 3"/>
+          <p:cNvPicPr>
+            <a:picLocks noChangeAspect="1"/>
+          </p:cNvPicPr>
+          <p:nvPr/>
+        </p:nvPicPr>
+        <p:blipFill>
+          <a:blip r:embed="rId2"/>
+          <a:stretch>
+            <a:fillRect/>
+          </a:stretch>
+        </p:blipFill>
+        <p:spPr>
+          <a:xfrm>
+            <a:off x="0" y="6018415"/>
+            <a:ext cx="12192000" cy="839585"/>
+          </a:xfrm>
+          <a:prstGeom prst="rect">
+            <a:avLst/>
+          </a:prstGeom>
+        </p:spPr>
+      </p:pic>
+    </p:spTree>
+    <p:extLst>
+      <p:ext uri="{BB962C8B-B14F-4D97-AF65-F5344CB8AC3E}">
+        <p14:creationId xmlns:p14="http://schemas.microsoft.com/office/powerpoint/2010/main" val="850628834"/>
       </p:ext>
     </p:extLst>
   </p:cSld>
@@ -3922,6 +4660,16 @@
               </a:rPr>
               <a:t>Screenshot idea: Actions run with green check marks.</a:t>
             </a:r>
+          </a:p>
+          <a:p>
+            <a:r>
+              <a:rPr lang="en-US" dirty="0" err="1" smtClean="0"/>
+              <a:t>Github</a:t>
+            </a:r>
+            <a:r>
+              <a:rPr lang="en-US" dirty="0" smtClean="0"/>
+              <a:t> page link: https://npaugust.github.io/cloud-ci-showcase/</a:t>
+            </a:r>
             <a:endParaRPr lang="ru-RU" dirty="0"/>
           </a:p>
         </p:txBody>
@@ -4333,12 +5081,233 @@
             <p:ph idx="1"/>
           </p:nvPr>
         </p:nvSpPr>
-        <p:spPr/>
-        <p:txBody>
-          <a:bodyPr/>
-          <a:lstStyle/>
-          <a:p>
-            <a:endParaRPr lang="ru-RU" dirty="0"/>
+        <p:spPr>
+          <a:xfrm>
+            <a:off x="838200" y="1426007"/>
+            <a:ext cx="10515600" cy="4351338"/>
+          </a:xfrm>
+        </p:spPr>
+        <p:txBody>
+          <a:bodyPr>
+            <a:normAutofit/>
+          </a:bodyPr>
+          <a:lstStyle/>
+          <a:p>
+            <a:pPr marL="0" indent="0">
+              <a:buNone/>
+            </a:pPr>
+            <a:r>
+              <a:rPr lang="en-US" sz="1600" dirty="0" smtClean="0"/>
+              <a:t>NEXT SLIDES ARE: </a:t>
+            </a:r>
+          </a:p>
+          <a:p>
+            <a:pPr marL="0" indent="0">
+              <a:buNone/>
+            </a:pPr>
+            <a:r>
+              <a:rPr lang="en-US" sz="1600" b="1" dirty="0" smtClean="0">
+                <a:effectLst/>
+              </a:rPr>
+              <a:t>1) Local UI (Express Frontend)</a:t>
+            </a:r>
+            <a:endParaRPr lang="en-US" sz="1600" dirty="0" smtClean="0">
+              <a:effectLst/>
+            </a:endParaRPr>
+          </a:p>
+          <a:p>
+            <a:pPr marL="0" indent="0">
+              <a:buNone/>
+            </a:pPr>
+            <a:r>
+              <a:rPr lang="en-US" sz="1600" i="1" dirty="0" smtClean="0">
+                <a:effectLst/>
+              </a:rPr>
+              <a:t>“Live dashboard served by Express. Shows current status payload (environment, timestamp, Dr. Ahmad) fetched from </a:t>
+            </a:r>
+            <a:r>
+              <a:rPr lang="en-US" sz="1600" i="1" dirty="0" smtClean="0"/>
+              <a:t>/status</a:t>
+            </a:r>
+            <a:r>
+              <a:rPr lang="en-US" sz="1600" i="1" dirty="0" smtClean="0">
+                <a:effectLst/>
+              </a:rPr>
+              <a:t> and </a:t>
+            </a:r>
+            <a:r>
+              <a:rPr lang="en-US" sz="1600" i="1" dirty="0" smtClean="0"/>
+              <a:t>/</a:t>
+            </a:r>
+            <a:r>
+              <a:rPr lang="en-US" sz="1600" i="1" dirty="0" err="1" smtClean="0"/>
+              <a:t>api</a:t>
+            </a:r>
+            <a:r>
+              <a:rPr lang="en-US" sz="1600" i="1" dirty="0" smtClean="0"/>
+              <a:t>/info</a:t>
+            </a:r>
+            <a:r>
+              <a:rPr lang="en-US" sz="1600" i="1" dirty="0" smtClean="0">
+                <a:effectLst/>
+              </a:rPr>
+              <a:t>.”</a:t>
+            </a:r>
+          </a:p>
+          <a:p>
+            <a:pPr marL="0" indent="0">
+              <a:buNone/>
+            </a:pPr>
+            <a:r>
+              <a:rPr lang="en-US" sz="1600" b="1" dirty="0" smtClean="0">
+                <a:effectLst/>
+              </a:rPr>
+              <a:t>2) Local API JSON</a:t>
+            </a:r>
+            <a:endParaRPr lang="en-US" sz="1600" dirty="0" smtClean="0">
+              <a:effectLst/>
+            </a:endParaRPr>
+          </a:p>
+          <a:p>
+            <a:pPr marL="0" indent="0">
+              <a:buNone/>
+            </a:pPr>
+            <a:r>
+              <a:rPr lang="en-US" sz="1600" i="1" dirty="0" smtClean="0">
+                <a:effectLst/>
+              </a:rPr>
+              <a:t>“Raw JSON response from </a:t>
+            </a:r>
+            <a:r>
+              <a:rPr lang="en-US" sz="1600" i="1" dirty="0" smtClean="0"/>
+              <a:t>/status</a:t>
+            </a:r>
+            <a:r>
+              <a:rPr lang="en-US" sz="1600" i="1" dirty="0" smtClean="0">
+                <a:effectLst/>
+              </a:rPr>
+              <a:t>. Evidence that backend is running locally and returns the same data consumed by the UI.”</a:t>
+            </a:r>
+          </a:p>
+          <a:p>
+            <a:pPr marL="0" indent="0">
+              <a:buNone/>
+            </a:pPr>
+            <a:r>
+              <a:rPr lang="en-US" sz="1600" b="1" dirty="0" smtClean="0"/>
+              <a:t>3) </a:t>
+            </a:r>
+            <a:r>
+              <a:rPr lang="en-US" sz="1600" b="1" dirty="0" smtClean="0">
+                <a:effectLst/>
+              </a:rPr>
+              <a:t>GitHub Repository Overview</a:t>
+            </a:r>
+            <a:endParaRPr lang="en-US" sz="1600" dirty="0" smtClean="0">
+              <a:effectLst/>
+            </a:endParaRPr>
+          </a:p>
+          <a:p>
+            <a:pPr marL="0" indent="0">
+              <a:buNone/>
+            </a:pPr>
+            <a:r>
+              <a:rPr lang="en-US" sz="1600" i="1" dirty="0" smtClean="0">
+                <a:effectLst/>
+              </a:rPr>
+              <a:t>“Repository structure with source code, workflows, docs, and presentation. Everything stored publicly for review.”</a:t>
+            </a:r>
+          </a:p>
+          <a:p>
+            <a:pPr marL="0" indent="0">
+              <a:buNone/>
+            </a:pPr>
+            <a:r>
+              <a:rPr lang="en-US" sz="1600" b="1" i="1" dirty="0" smtClean="0"/>
+              <a:t>4) </a:t>
+            </a:r>
+            <a:r>
+              <a:rPr lang="en-US" sz="1600" b="1" dirty="0" smtClean="0">
+                <a:effectLst/>
+              </a:rPr>
+              <a:t>GitHub Actions – CI Run</a:t>
+            </a:r>
+            <a:endParaRPr lang="en-US" sz="1600" dirty="0" smtClean="0">
+              <a:effectLst/>
+            </a:endParaRPr>
+          </a:p>
+          <a:p>
+            <a:pPr marL="0" indent="0">
+              <a:buNone/>
+            </a:pPr>
+            <a:r>
+              <a:rPr lang="en-US" sz="1600" i="1" dirty="0" smtClean="0">
+                <a:effectLst/>
+              </a:rPr>
+              <a:t>“Workflow </a:t>
+            </a:r>
+            <a:r>
+              <a:rPr lang="en-US" sz="1600" i="1" dirty="0" smtClean="0"/>
+              <a:t>CI</a:t>
+            </a:r>
+            <a:r>
+              <a:rPr lang="en-US" sz="1600" i="1" dirty="0" smtClean="0">
+                <a:effectLst/>
+              </a:rPr>
+              <a:t> triggered on push. Steps: checkout → Node setup → </a:t>
+            </a:r>
+            <a:r>
+              <a:rPr lang="en-US" sz="1600" i="1" dirty="0" err="1" smtClean="0">
+                <a:effectLst/>
+              </a:rPr>
+              <a:t>npm</a:t>
+            </a:r>
+            <a:r>
+              <a:rPr lang="en-US" sz="1600" i="1" dirty="0" smtClean="0">
+                <a:effectLst/>
+              </a:rPr>
+              <a:t> ci → lint → tests. Run succeeded (green badge).”</a:t>
+            </a:r>
+          </a:p>
+          <a:p>
+            <a:pPr marL="0" indent="0">
+              <a:buNone/>
+            </a:pPr>
+            <a:r>
+              <a:rPr lang="en-US" sz="1600" b="1" i="1" dirty="0" smtClean="0"/>
+              <a:t>5) </a:t>
+            </a:r>
+            <a:r>
+              <a:rPr lang="en-US" sz="1600" b="1" dirty="0" smtClean="0">
+                <a:effectLst/>
+              </a:rPr>
+              <a:t>GitHub Pages Site</a:t>
+            </a:r>
+            <a:endParaRPr lang="en-US" sz="1600" dirty="0" smtClean="0">
+              <a:effectLst/>
+            </a:endParaRPr>
+          </a:p>
+          <a:p>
+            <a:pPr marL="0" indent="0">
+              <a:buNone/>
+            </a:pPr>
+            <a:r>
+              <a:rPr lang="en-US" sz="1600" i="1" dirty="0" smtClean="0">
+                <a:effectLst/>
+              </a:rPr>
+              <a:t>“Documentation site published from </a:t>
+            </a:r>
+            <a:r>
+              <a:rPr lang="en-US" sz="1600" i="1" dirty="0" smtClean="0"/>
+              <a:t>docs/</a:t>
+            </a:r>
+            <a:r>
+              <a:rPr lang="en-US" sz="1600" i="1" dirty="0" smtClean="0">
+                <a:effectLst/>
+              </a:rPr>
+              <a:t>. Explains the project, CI/CD pipeline, and provides download links.”</a:t>
+            </a:r>
+            <a:endParaRPr lang="ru-RU" sz="1600" dirty="0"/>
           </a:p>
         </p:txBody>
       </p:sp>
@@ -4458,6 +5427,88 @@
           </a:prstGeom>
         </p:spPr>
       </p:pic>
+      <p:pic>
+        <p:nvPicPr>
+          <p:cNvPr id="5" name="Рисунок 4"/>
+          <p:cNvPicPr>
+            <a:picLocks noChangeAspect="1"/>
+          </p:cNvPicPr>
+          <p:nvPr/>
+        </p:nvPicPr>
+        <p:blipFill>
+          <a:blip r:embed="rId3"/>
+          <a:stretch>
+            <a:fillRect/>
+          </a:stretch>
+        </p:blipFill>
+        <p:spPr>
+          <a:xfrm>
+            <a:off x="-2447925" y="-866775"/>
+            <a:ext cx="17087850" cy="8591550"/>
+          </a:xfrm>
+          <a:prstGeom prst="rect">
+            <a:avLst/>
+          </a:prstGeom>
+        </p:spPr>
+      </p:pic>
+      <p:sp>
+        <p:nvSpPr>
+          <p:cNvPr id="6" name="Заголовок 1"/>
+          <p:cNvSpPr txBox="1">
+            <a:spLocks/>
+          </p:cNvSpPr>
+          <p:nvPr/>
+        </p:nvSpPr>
+        <p:spPr>
+          <a:xfrm>
+            <a:off x="838200" y="-298979"/>
+            <a:ext cx="10515600" cy="1325563"/>
+          </a:xfrm>
+          <a:prstGeom prst="rect">
+            <a:avLst/>
+          </a:prstGeom>
+        </p:spPr>
+        <p:txBody>
+          <a:bodyPr vert="horz" lIns="91440" tIns="45720" rIns="91440" bIns="45720" rtlCol="0" anchor="ctr">
+            <a:normAutofit/>
+          </a:bodyPr>
+          <a:lstStyle>
+            <a:lvl1pPr algn="l" defTabSz="914400" rtl="0" eaLnBrk="1" latinLnBrk="0" hangingPunct="1">
+              <a:lnSpc>
+                <a:spcPct val="90000"/>
+              </a:lnSpc>
+              <a:spcBef>
+                <a:spcPct val="0"/>
+              </a:spcBef>
+              <a:buNone/>
+              <a:defRPr sz="4400" kern="1200">
+                <a:solidFill>
+                  <a:schemeClr val="tx1"/>
+                </a:solidFill>
+                <a:latin typeface="+mj-lt"/>
+                <a:ea typeface="+mj-ea"/>
+                <a:cs typeface="+mj-cs"/>
+              </a:defRPr>
+            </a:lvl1pPr>
+          </a:lstStyle>
+          <a:p>
+            <a:pPr algn="ctr"/>
+            <a:r>
+              <a:rPr lang="en-US" dirty="0">
+                <a:solidFill>
+                  <a:schemeClr val="bg1"/>
+                </a:solidFill>
+              </a:rPr>
+              <a:t>Localhost:8000/ everything is good. </a:t>
+            </a:r>
+            <a:endParaRPr lang="ru-RU" dirty="0">
+              <a:solidFill>
+                <a:schemeClr val="bg1"/>
+              </a:solidFill>
+            </a:endParaRPr>
+          </a:p>
+        </p:txBody>
+      </p:sp>
     </p:spTree>
     <p:extLst>
       <p:ext uri="{BB962C8B-B14F-4D97-AF65-F5344CB8AC3E}">

--- a/Cloud Computing.pptx
+++ b/Cloud Computing.pptx
@@ -3821,21 +3821,21 @@
             </a:r>
             <a:r>
               <a:rPr lang="en-US" dirty="0" smtClean="0"/>
-              <a:t> Pages exposes project story for </a:t>
-            </a:r>
-            <a:r>
-              <a:rPr lang="en-US" dirty="0" err="1" smtClean="0"/>
-              <a:t>Dr.Ahmad</a:t>
+              <a:t> Pages exposes project </a:t>
+            </a:r>
+            <a:r>
+              <a:rPr lang="en-US" smtClean="0"/>
+              <a:t>story </a:t>
+            </a:r>
+          </a:p>
+          <a:p>
+            <a:r>
+              <a:rPr lang="en-US" smtClean="0"/>
+              <a:t>Every </a:t>
             </a:r>
             <a:r>
               <a:rPr lang="en-US" dirty="0" smtClean="0"/>
-              <a:t> </a:t>
-            </a:r>
-          </a:p>
-          <a:p>
-            <a:r>
-              <a:rPr lang="en-US" dirty="0" smtClean="0"/>
-              <a:t>Every documentations exists, for analyzing and learning how to do run my project very easily.</a:t>
+              <a:t>documentations exists, for analyzing and learning how to do run my project very easily.</a:t>
             </a:r>
           </a:p>
           <a:p>
@@ -4007,7 +4007,15 @@
             </a:r>
             <a:r>
               <a:rPr lang="en-US" i="1" dirty="0"/>
-              <a:t>assets that are easy for Dr. Ahmad to review (web UI, API, documentation).</a:t>
+              <a:t>assets that are easy </a:t>
+            </a:r>
+            <a:r>
+              <a:rPr lang="en-US" i="1" dirty="0" smtClean="0"/>
+              <a:t>to </a:t>
+            </a:r>
+            <a:r>
+              <a:rPr lang="en-US" i="1" dirty="0"/>
+              <a:t>review (web UI, API, documentation).</a:t>
             </a:r>
             <a:endParaRPr lang="en-US" dirty="0"/>
           </a:p>
